--- a/figures/Chapter1/Venn.pptx
+++ b/figures/Chapter1/Venn.pptx
@@ -113,16 +113,40 @@
 </p:presentation>
 </file>
 
-<file path=ppt/revisionInfo.xml><?xml version="1.0" encoding="utf-8"?>
-<p1510:revInfo xmlns:a="http://schemas.openxmlformats.org/drawingml/2006/main" xmlns:r="http://schemas.openxmlformats.org/officeDocument/2006/relationships" xmlns:p1510="http://schemas.microsoft.com/office/powerpoint/2015/10/main">
-  <p1510:revLst>
-    <p1510:client id="{4FC7E0BB-614E-45D6-8CD8-1865287C7211}" v="568" dt="2022-08-12T14:01:48.535"/>
-  </p1510:revLst>
-</p1510:revInfo>
-</file>
-
 <file path=ppt/changesInfos/changesInfo1.xml><?xml version="1.0" encoding="utf-8"?>
 <pc:chgInfo xmlns:a="http://schemas.openxmlformats.org/drawingml/2006/main" xmlns:r="http://schemas.openxmlformats.org/officeDocument/2006/relationships" xmlns:ac="http://schemas.microsoft.com/office/drawing/2013/main/command" xmlns:pc="http://schemas.microsoft.com/office/powerpoint/2013/main/command">
+  <pc:docChgLst>
+    <pc:chgData name="Etard, Adrienne" userId="b6e72120-0b4f-4d07-b4f0-0bf379bf9763" providerId="ADAL" clId="{98698960-47A8-4B14-A52F-CF1537D56A82}"/>
+    <pc:docChg chg="modSld">
+      <pc:chgData name="Etard, Adrienne" userId="b6e72120-0b4f-4d07-b4f0-0bf379bf9763" providerId="ADAL" clId="{98698960-47A8-4B14-A52F-CF1537D56A82}" dt="2022-09-05T10:38:21.545" v="13" actId="20577"/>
+      <pc:docMkLst>
+        <pc:docMk/>
+      </pc:docMkLst>
+      <pc:sldChg chg="modSp mod">
+        <pc:chgData name="Etard, Adrienne" userId="b6e72120-0b4f-4d07-b4f0-0bf379bf9763" providerId="ADAL" clId="{98698960-47A8-4B14-A52F-CF1537D56A82}" dt="2022-09-05T10:38:21.545" v="13" actId="20577"/>
+        <pc:sldMkLst>
+          <pc:docMk/>
+          <pc:sldMk cId="421063347" sldId="258"/>
+        </pc:sldMkLst>
+        <pc:spChg chg="mod">
+          <ac:chgData name="Etard, Adrienne" userId="b6e72120-0b4f-4d07-b4f0-0bf379bf9763" providerId="ADAL" clId="{98698960-47A8-4B14-A52F-CF1537D56A82}" dt="2022-09-05T10:38:07.713" v="0" actId="20577"/>
+          <ac:spMkLst>
+            <pc:docMk/>
+            <pc:sldMk cId="421063347" sldId="258"/>
+            <ac:spMk id="84" creationId="{70B5BEB4-ECBE-FA75-C856-493F5956AA33}"/>
+          </ac:spMkLst>
+        </pc:spChg>
+        <pc:spChg chg="mod">
+          <ac:chgData name="Etard, Adrienne" userId="b6e72120-0b4f-4d07-b4f0-0bf379bf9763" providerId="ADAL" clId="{98698960-47A8-4B14-A52F-CF1537D56A82}" dt="2022-09-05T10:38:21.545" v="13" actId="20577"/>
+          <ac:spMkLst>
+            <pc:docMk/>
+            <pc:sldMk cId="421063347" sldId="258"/>
+            <ac:spMk id="86" creationId="{6CDE69CC-F986-E18E-F3CC-80FD54C0C6D9}"/>
+          </ac:spMkLst>
+        </pc:spChg>
+      </pc:sldChg>
+    </pc:docChg>
+  </pc:docChgLst>
   <pc:docChgLst>
     <pc:chgData name="Adrienne Etard" userId="5c2858a4c2ad2d71" providerId="LiveId" clId="{4FC7E0BB-614E-45D6-8CD8-1865287C7211}"/>
     <pc:docChg chg="undo custSel addSld delSld modSld">
@@ -20287,7 +20311,7 @@
           <a:p>
             <a:fld id="{E8A0F8F7-9F2B-4647-BECA-FA33B7A3D8A5}" type="datetimeFigureOut">
               <a:rPr lang="en-GB" smtClean="0"/>
-              <a:t>12/08/2022</a:t>
+              <a:t>05/09/2022</a:t>
             </a:fld>
             <a:endParaRPr lang="en-GB"/>
           </a:p>
@@ -20487,7 +20511,7 @@
           <a:p>
             <a:fld id="{E8A0F8F7-9F2B-4647-BECA-FA33B7A3D8A5}" type="datetimeFigureOut">
               <a:rPr lang="en-GB" smtClean="0"/>
-              <a:t>12/08/2022</a:t>
+              <a:t>05/09/2022</a:t>
             </a:fld>
             <a:endParaRPr lang="en-GB"/>
           </a:p>
@@ -20697,7 +20721,7 @@
           <a:p>
             <a:fld id="{E8A0F8F7-9F2B-4647-BECA-FA33B7A3D8A5}" type="datetimeFigureOut">
               <a:rPr lang="en-GB" smtClean="0"/>
-              <a:t>12/08/2022</a:t>
+              <a:t>05/09/2022</a:t>
             </a:fld>
             <a:endParaRPr lang="en-GB"/>
           </a:p>
@@ -20897,7 +20921,7 @@
           <a:p>
             <a:fld id="{E8A0F8F7-9F2B-4647-BECA-FA33B7A3D8A5}" type="datetimeFigureOut">
               <a:rPr lang="en-GB" smtClean="0"/>
-              <a:t>12/08/2022</a:t>
+              <a:t>05/09/2022</a:t>
             </a:fld>
             <a:endParaRPr lang="en-GB"/>
           </a:p>
@@ -21173,7 +21197,7 @@
           <a:p>
             <a:fld id="{E8A0F8F7-9F2B-4647-BECA-FA33B7A3D8A5}" type="datetimeFigureOut">
               <a:rPr lang="en-GB" smtClean="0"/>
-              <a:t>12/08/2022</a:t>
+              <a:t>05/09/2022</a:t>
             </a:fld>
             <a:endParaRPr lang="en-GB"/>
           </a:p>
@@ -21441,7 +21465,7 @@
           <a:p>
             <a:fld id="{E8A0F8F7-9F2B-4647-BECA-FA33B7A3D8A5}" type="datetimeFigureOut">
               <a:rPr lang="en-GB" smtClean="0"/>
-              <a:t>12/08/2022</a:t>
+              <a:t>05/09/2022</a:t>
             </a:fld>
             <a:endParaRPr lang="en-GB"/>
           </a:p>
@@ -21856,7 +21880,7 @@
           <a:p>
             <a:fld id="{E8A0F8F7-9F2B-4647-BECA-FA33B7A3D8A5}" type="datetimeFigureOut">
               <a:rPr lang="en-GB" smtClean="0"/>
-              <a:t>12/08/2022</a:t>
+              <a:t>05/09/2022</a:t>
             </a:fld>
             <a:endParaRPr lang="en-GB"/>
           </a:p>
@@ -21998,7 +22022,7 @@
           <a:p>
             <a:fld id="{E8A0F8F7-9F2B-4647-BECA-FA33B7A3D8A5}" type="datetimeFigureOut">
               <a:rPr lang="en-GB" smtClean="0"/>
-              <a:t>12/08/2022</a:t>
+              <a:t>05/09/2022</a:t>
             </a:fld>
             <a:endParaRPr lang="en-GB"/>
           </a:p>
@@ -22111,7 +22135,7 @@
           <a:p>
             <a:fld id="{E8A0F8F7-9F2B-4647-BECA-FA33B7A3D8A5}" type="datetimeFigureOut">
               <a:rPr lang="en-GB" smtClean="0"/>
-              <a:t>12/08/2022</a:t>
+              <a:t>05/09/2022</a:t>
             </a:fld>
             <a:endParaRPr lang="en-GB"/>
           </a:p>
@@ -22424,7 +22448,7 @@
           <a:p>
             <a:fld id="{E8A0F8F7-9F2B-4647-BECA-FA33B7A3D8A5}" type="datetimeFigureOut">
               <a:rPr lang="en-GB" smtClean="0"/>
-              <a:t>12/08/2022</a:t>
+              <a:t>05/09/2022</a:t>
             </a:fld>
             <a:endParaRPr lang="en-GB"/>
           </a:p>
@@ -22713,7 +22737,7 @@
           <a:p>
             <a:fld id="{E8A0F8F7-9F2B-4647-BECA-FA33B7A3D8A5}" type="datetimeFigureOut">
               <a:rPr lang="en-GB" smtClean="0"/>
-              <a:t>12/08/2022</a:t>
+              <a:t>05/09/2022</a:t>
             </a:fld>
             <a:endParaRPr lang="en-GB"/>
           </a:p>
@@ -22956,7 +22980,7 @@
           <a:p>
             <a:fld id="{E8A0F8F7-9F2B-4647-BECA-FA33B7A3D8A5}" type="datetimeFigureOut">
               <a:rPr lang="en-GB" smtClean="0"/>
-              <a:t>12/08/2022</a:t>
+              <a:t>05/09/2022</a:t>
             </a:fld>
             <a:endParaRPr lang="en-GB"/>
           </a:p>
@@ -26708,7 +26732,7 @@
                       <a:latin typeface="Times New Roman" panose="02020603050405020304" pitchFamily="18" charset="0"/>
                       <a:cs typeface="Times New Roman" panose="02020603050405020304" pitchFamily="18" charset="0"/>
                     </a:rPr>
-                    <a:t>Trophic levels</a:t>
+                    <a:t>Trophic level</a:t>
                   </a:r>
                 </a:p>
               </p:txBody>
@@ -26834,7 +26858,7 @@
                       <a:latin typeface="Times New Roman" panose="02020603050405020304" pitchFamily="18" charset="0"/>
                       <a:cs typeface="Times New Roman" panose="02020603050405020304" pitchFamily="18" charset="0"/>
                     </a:rPr>
-                    <a:t>Diet</a:t>
+                    <a:t>(Primary) diet</a:t>
                   </a:r>
                 </a:p>
               </p:txBody>

--- a/figures/Chapter1/Venn.pptx
+++ b/figures/Chapter1/Venn.pptx
@@ -111,6 +111,14 @@
     </p:ext>
   </p:extLst>
 </p:presentation>
+</file>
+
+<file path=ppt/revisionInfo.xml><?xml version="1.0" encoding="utf-8"?>
+<p1510:revInfo xmlns:a="http://schemas.openxmlformats.org/drawingml/2006/main" xmlns:r="http://schemas.openxmlformats.org/officeDocument/2006/relationships" xmlns:p1510="http://schemas.microsoft.com/office/powerpoint/2015/10/main">
+  <p1510:revLst>
+    <p1510:client id="{F8C7DB6A-3E9C-47DF-84C0-79C363EBAA42}" v="1" dt="2022-10-13T13:35:16.069"/>
+  </p1510:revLst>
+</p1510:revInfo>
 </file>
 
 <file path=ppt/changesInfos/changesInfo1.xml><?xml version="1.0" encoding="utf-8"?>
@@ -20311,7 +20319,7 @@
           <a:p>
             <a:fld id="{E8A0F8F7-9F2B-4647-BECA-FA33B7A3D8A5}" type="datetimeFigureOut">
               <a:rPr lang="en-GB" smtClean="0"/>
-              <a:t>05/09/2022</a:t>
+              <a:t>13/10/2022</a:t>
             </a:fld>
             <a:endParaRPr lang="en-GB"/>
           </a:p>
@@ -20511,7 +20519,7 @@
           <a:p>
             <a:fld id="{E8A0F8F7-9F2B-4647-BECA-FA33B7A3D8A5}" type="datetimeFigureOut">
               <a:rPr lang="en-GB" smtClean="0"/>
-              <a:t>05/09/2022</a:t>
+              <a:t>13/10/2022</a:t>
             </a:fld>
             <a:endParaRPr lang="en-GB"/>
           </a:p>
@@ -20721,7 +20729,7 @@
           <a:p>
             <a:fld id="{E8A0F8F7-9F2B-4647-BECA-FA33B7A3D8A5}" type="datetimeFigureOut">
               <a:rPr lang="en-GB" smtClean="0"/>
-              <a:t>05/09/2022</a:t>
+              <a:t>13/10/2022</a:t>
             </a:fld>
             <a:endParaRPr lang="en-GB"/>
           </a:p>
@@ -20921,7 +20929,7 @@
           <a:p>
             <a:fld id="{E8A0F8F7-9F2B-4647-BECA-FA33B7A3D8A5}" type="datetimeFigureOut">
               <a:rPr lang="en-GB" smtClean="0"/>
-              <a:t>05/09/2022</a:t>
+              <a:t>13/10/2022</a:t>
             </a:fld>
             <a:endParaRPr lang="en-GB"/>
           </a:p>
@@ -21197,7 +21205,7 @@
           <a:p>
             <a:fld id="{E8A0F8F7-9F2B-4647-BECA-FA33B7A3D8A5}" type="datetimeFigureOut">
               <a:rPr lang="en-GB" smtClean="0"/>
-              <a:t>05/09/2022</a:t>
+              <a:t>13/10/2022</a:t>
             </a:fld>
             <a:endParaRPr lang="en-GB"/>
           </a:p>
@@ -21465,7 +21473,7 @@
           <a:p>
             <a:fld id="{E8A0F8F7-9F2B-4647-BECA-FA33B7A3D8A5}" type="datetimeFigureOut">
               <a:rPr lang="en-GB" smtClean="0"/>
-              <a:t>05/09/2022</a:t>
+              <a:t>13/10/2022</a:t>
             </a:fld>
             <a:endParaRPr lang="en-GB"/>
           </a:p>
@@ -21880,7 +21888,7 @@
           <a:p>
             <a:fld id="{E8A0F8F7-9F2B-4647-BECA-FA33B7A3D8A5}" type="datetimeFigureOut">
               <a:rPr lang="en-GB" smtClean="0"/>
-              <a:t>05/09/2022</a:t>
+              <a:t>13/10/2022</a:t>
             </a:fld>
             <a:endParaRPr lang="en-GB"/>
           </a:p>
@@ -22022,7 +22030,7 @@
           <a:p>
             <a:fld id="{E8A0F8F7-9F2B-4647-BECA-FA33B7A3D8A5}" type="datetimeFigureOut">
               <a:rPr lang="en-GB" smtClean="0"/>
-              <a:t>05/09/2022</a:t>
+              <a:t>13/10/2022</a:t>
             </a:fld>
             <a:endParaRPr lang="en-GB"/>
           </a:p>
@@ -22135,7 +22143,7 @@
           <a:p>
             <a:fld id="{E8A0F8F7-9F2B-4647-BECA-FA33B7A3D8A5}" type="datetimeFigureOut">
               <a:rPr lang="en-GB" smtClean="0"/>
-              <a:t>05/09/2022</a:t>
+              <a:t>13/10/2022</a:t>
             </a:fld>
             <a:endParaRPr lang="en-GB"/>
           </a:p>
@@ -22448,7 +22456,7 @@
           <a:p>
             <a:fld id="{E8A0F8F7-9F2B-4647-BECA-FA33B7A3D8A5}" type="datetimeFigureOut">
               <a:rPr lang="en-GB" smtClean="0"/>
-              <a:t>05/09/2022</a:t>
+              <a:t>13/10/2022</a:t>
             </a:fld>
             <a:endParaRPr lang="en-GB"/>
           </a:p>
@@ -22737,7 +22745,7 @@
           <a:p>
             <a:fld id="{E8A0F8F7-9F2B-4647-BECA-FA33B7A3D8A5}" type="datetimeFigureOut">
               <a:rPr lang="en-GB" smtClean="0"/>
-              <a:t>05/09/2022</a:t>
+              <a:t>13/10/2022</a:t>
             </a:fld>
             <a:endParaRPr lang="en-GB"/>
           </a:p>
@@ -22980,7 +22988,7 @@
           <a:p>
             <a:fld id="{E8A0F8F7-9F2B-4647-BECA-FA33B7A3D8A5}" type="datetimeFigureOut">
               <a:rPr lang="en-GB" smtClean="0"/>
-              <a:t>05/09/2022</a:t>
+              <a:t>13/10/2022</a:t>
             </a:fld>
             <a:endParaRPr lang="en-GB"/>
           </a:p>
@@ -26313,18 +26321,11 @@
                 <a:p>
                   <a:pPr lvl="0"/>
                   <a:r>
-                    <a:rPr lang="en-GB" sz="1600" i="1" dirty="0" err="1">
-                      <a:latin typeface="Times New Roman" panose="02020603050405020304" pitchFamily="18" charset="0"/>
-                      <a:cs typeface="Times New Roman" panose="02020603050405020304" pitchFamily="18" charset="0"/>
-                    </a:rPr>
-                    <a:t>Spatio</a:t>
-                  </a:r>
-                  <a:r>
                     <a:rPr lang="en-GB" sz="1600" i="1" dirty="0">
                       <a:latin typeface="Times New Roman" panose="02020603050405020304" pitchFamily="18" charset="0"/>
                       <a:cs typeface="Times New Roman" panose="02020603050405020304" pitchFamily="18" charset="0"/>
                     </a:rPr>
-                    <a:t>-temporal affinity</a:t>
+                    <a:t>Spatio-temporal affinity</a:t>
                   </a:r>
                   <a:endParaRPr lang="en-GB" sz="1600" dirty="0"/>
                 </a:p>
